--- a/raghav.pptx
+++ b/raghav.pptx
@@ -967,7 +967,7 @@
         </p:nvSpPr>
         <p:spPr>
           <a:xfrm>
-            <a:off x="381300" y="685800"/>
+            <a:off x="381000" y="685800"/>
             <a:ext cx="6096000" cy="3429000"/>
           </a:xfrm>
           <a:custGeom>
@@ -8096,7 +8096,7 @@
               <a:buNone/>
             </a:pPr>
             <a:r>
-              <a:rPr lang="en"/>
+              <a:rPr lang="en" dirty="0"/>
               <a:t>Features:</a:t>
             </a:r>
             <a:endParaRPr/>
@@ -8117,22 +8117,24 @@
               <a:buChar char="●"/>
             </a:pPr>
             <a:r>
-              <a:rPr lang="en"/>
-              <a:t>Age (numeric)</a:t>
+              <a:rPr lang="en" dirty="0"/>
+              <a:t>Age </a:t>
+            </a:r>
+            <a:r>
+              <a:rPr lang="en" dirty="0" smtClean="0"/>
+              <a:t>,Working Hours, (numeric</a:t>
+            </a:r>
+            <a:r>
+              <a:rPr lang="en" dirty="0"/>
+              <a:t>)</a:t>
             </a:r>
             <a:br>
-              <a:rPr lang="en"/>
+              <a:rPr lang="en" dirty="0"/>
             </a:br>
             <a:endParaRPr/>
           </a:p>
           <a:p>
-            <a:pPr marL="457200" lvl="0" indent="-298450" algn="l" rtl="0">
-              <a:spcBef>
-                <a:spcPts val="0"/>
-              </a:spcBef>
-              <a:spcAft>
-                <a:spcPts val="0"/>
-              </a:spcAft>
+            <a:pPr lvl="0" indent="-298450">
               <a:buClr>
                 <a:srgbClr val="000000"/>
               </a:buClr>
@@ -8141,11 +8143,19 @@
               <a:buChar char="●"/>
             </a:pPr>
             <a:r>
-              <a:rPr lang="en"/>
-              <a:t>Gender, Education, Job Title (categorical)</a:t>
+              <a:rPr lang="en" dirty="0"/>
+              <a:t>Gender, Education, Job Title </a:t>
+            </a:r>
+            <a:r>
+              <a:rPr lang="en" dirty="0" smtClean="0"/>
+              <a:t>, company size,Location(categorical</a:t>
+            </a:r>
+            <a:r>
+              <a:rPr lang="en" dirty="0"/>
+              <a:t>)</a:t>
             </a:r>
             <a:br>
-              <a:rPr lang="en"/>
+              <a:rPr lang="en" dirty="0"/>
             </a:br>
             <a:endParaRPr/>
           </a:p>
@@ -8165,11 +8175,19 @@
               <a:buChar char="●"/>
             </a:pPr>
             <a:r>
-              <a:rPr lang="en"/>
-              <a:t>Years of Experience (numeric)</a:t>
+              <a:rPr lang="en" dirty="0"/>
+              <a:t>Years of Experience </a:t>
+            </a:r>
+            <a:r>
+              <a:rPr lang="en" dirty="0" smtClean="0"/>
+              <a:t>,certifications(numeric</a:t>
+            </a:r>
+            <a:r>
+              <a:rPr lang="en" dirty="0"/>
+              <a:t>)</a:t>
             </a:r>
             <a:br>
-              <a:rPr lang="en"/>
+              <a:rPr lang="en" dirty="0"/>
             </a:br>
             <a:endParaRPr/>
           </a:p>
@@ -8189,7 +8207,7 @@
               <a:buChar char="●"/>
             </a:pPr>
             <a:r>
-              <a:rPr lang="en"/>
+              <a:rPr lang="en" dirty="0"/>
               <a:t>Salary (target)</a:t>
             </a:r>
             <a:endParaRPr/>
@@ -8899,7 +8917,7 @@
               <a:buNone/>
             </a:pPr>
             <a:r>
-              <a:rPr lang="en"/>
+              <a:rPr lang="en" dirty="0"/>
               <a:t>Contact info:</a:t>
             </a:r>
             <a:endParaRPr/>
